--- a/Lectures/Week_4/CSE 599V Lecture 9 - Estimating Confidence in Models and Parameters .pptx
+++ b/Lectures/Week_4/CSE 599V Lecture 9 - Estimating Confidence in Models and Parameters .pptx
@@ -5270,7 +5270,7 @@
           </a:p>
           <a:p>
             <a:r>
-              <a:rPr lang="en-US" sz="2000"/>
+              <a:rPr lang="en-US" sz="2000" dirty="0"/>
               <a:t>Hypothesis testing</a:t>
             </a:r>
           </a:p>
@@ -5285,6 +5285,64 @@
             <a:r>
               <a:rPr lang="en-US" sz="1600" dirty="0"/>
               <a:t>Overfitting, assessing parameter complexity</a:t>
+            </a:r>
+          </a:p>
+          <a:p>
+            <a:pPr lvl="1"/>
+            <a:r>
+              <a:rPr lang="en-US" sz="1600" dirty="0"/>
+              <a:t>Errors in data get propagated</a:t>
+            </a:r>
+          </a:p>
+          <a:p>
+            <a:pPr lvl="1"/>
+            <a:r>
+              <a:rPr lang="en-US" sz="1600" dirty="0"/>
+              <a:t>Model is correct vs. </a:t>
+            </a:r>
+            <a:r>
+              <a:rPr lang="en-US" sz="1600"/>
+              <a:t>model fits</a:t>
+            </a:r>
+            <a:endParaRPr lang="en-US" sz="1600" dirty="0"/>
+          </a:p>
+          <a:p>
+            <a:r>
+              <a:rPr lang="en-US" sz="2000" dirty="0"/>
+              <a:t>Confidence intervals</a:t>
+            </a:r>
+          </a:p>
+          <a:p>
+            <a:pPr lvl="1"/>
+            <a:r>
+              <a:rPr lang="en-US" sz="1600" dirty="0"/>
+              <a:t>Definition</a:t>
+            </a:r>
+          </a:p>
+          <a:p>
+            <a:pPr lvl="1"/>
+            <a:r>
+              <a:rPr lang="en-US" sz="1600" dirty="0"/>
+              <a:t>Estimation techniques: Hessian, simulation, bootstrapping</a:t>
+            </a:r>
+          </a:p>
+          <a:p>
+            <a:r>
+              <a:rPr lang="en-US" sz="2000" dirty="0"/>
+              <a:t>Assessing model quality: cross-validation</a:t>
+            </a:r>
+          </a:p>
+          <a:p>
+            <a:r>
+              <a:rPr lang="en-US" sz="2000" dirty="0"/>
+              <a:t>In class exercise: Enzyme Kinetics</a:t>
+            </a:r>
+          </a:p>
+          <a:p>
+            <a:pPr lvl="1"/>
+            <a:r>
+              <a:rPr lang="en-US" sz="1600" dirty="0"/>
+              <a:t>Problem with correlated parameter values</a:t>
             </a:r>
           </a:p>
         </p:txBody>
